--- a/doc/6.Java vs JS.pptx
+++ b/doc/6.Java vs JS.pptx
@@ -199,7 +199,7 @@
           <a:p>
             <a:fld id="{B86859C3-2692-784F-AC34-40A9E7B69405}" type="datetimeFigureOut">
               <a:rPr kumimoji="1" lang="zh-CN" altLang="en-US" smtClean="0"/>
-              <a:t>17/3/12</a:t>
+              <a:t>18/8/11</a:t>
             </a:fld>
             <a:endParaRPr kumimoji="1" lang="zh-CN" altLang="en-US"/>
           </a:p>
@@ -827,7 +827,7 @@
           <a:p>
             <a:fld id="{D7B12BEA-236C-5749-AF49-060B228B08C5}" type="datetimeFigureOut">
               <a:rPr kumimoji="1" lang="zh-CN" altLang="en-US" smtClean="0"/>
-              <a:t>17/3/12</a:t>
+              <a:t>18/8/11</a:t>
             </a:fld>
             <a:endParaRPr kumimoji="1" lang="zh-CN" altLang="en-US"/>
           </a:p>
@@ -997,7 +997,7 @@
           <a:p>
             <a:fld id="{D7B12BEA-236C-5749-AF49-060B228B08C5}" type="datetimeFigureOut">
               <a:rPr kumimoji="1" lang="zh-CN" altLang="en-US" smtClean="0"/>
-              <a:t>17/3/12</a:t>
+              <a:t>18/8/11</a:t>
             </a:fld>
             <a:endParaRPr kumimoji="1" lang="zh-CN" altLang="en-US"/>
           </a:p>
@@ -1177,7 +1177,7 @@
           <a:p>
             <a:fld id="{D7B12BEA-236C-5749-AF49-060B228B08C5}" type="datetimeFigureOut">
               <a:rPr kumimoji="1" lang="zh-CN" altLang="en-US" smtClean="0"/>
-              <a:t>17/3/12</a:t>
+              <a:t>18/8/11</a:t>
             </a:fld>
             <a:endParaRPr kumimoji="1" lang="zh-CN" altLang="en-US"/>
           </a:p>
@@ -1347,7 +1347,7 @@
           <a:p>
             <a:fld id="{D7B12BEA-236C-5749-AF49-060B228B08C5}" type="datetimeFigureOut">
               <a:rPr kumimoji="1" lang="zh-CN" altLang="en-US" smtClean="0"/>
-              <a:t>17/3/12</a:t>
+              <a:t>18/8/11</a:t>
             </a:fld>
             <a:endParaRPr kumimoji="1" lang="zh-CN" altLang="en-US"/>
           </a:p>
@@ -1593,7 +1593,7 @@
           <a:p>
             <a:fld id="{D7B12BEA-236C-5749-AF49-060B228B08C5}" type="datetimeFigureOut">
               <a:rPr kumimoji="1" lang="zh-CN" altLang="en-US" smtClean="0"/>
-              <a:t>17/3/12</a:t>
+              <a:t>18/8/11</a:t>
             </a:fld>
             <a:endParaRPr kumimoji="1" lang="zh-CN" altLang="en-US"/>
           </a:p>
@@ -1881,7 +1881,7 @@
           <a:p>
             <a:fld id="{D7B12BEA-236C-5749-AF49-060B228B08C5}" type="datetimeFigureOut">
               <a:rPr kumimoji="1" lang="zh-CN" altLang="en-US" smtClean="0"/>
-              <a:t>17/3/12</a:t>
+              <a:t>18/8/11</a:t>
             </a:fld>
             <a:endParaRPr kumimoji="1" lang="zh-CN" altLang="en-US"/>
           </a:p>
@@ -2303,7 +2303,7 @@
           <a:p>
             <a:fld id="{D7B12BEA-236C-5749-AF49-060B228B08C5}" type="datetimeFigureOut">
               <a:rPr kumimoji="1" lang="zh-CN" altLang="en-US" smtClean="0"/>
-              <a:t>17/3/12</a:t>
+              <a:t>18/8/11</a:t>
             </a:fld>
             <a:endParaRPr kumimoji="1" lang="zh-CN" altLang="en-US"/>
           </a:p>
@@ -2421,7 +2421,7 @@
           <a:p>
             <a:fld id="{D7B12BEA-236C-5749-AF49-060B228B08C5}" type="datetimeFigureOut">
               <a:rPr kumimoji="1" lang="zh-CN" altLang="en-US" smtClean="0"/>
-              <a:t>17/3/12</a:t>
+              <a:t>18/8/11</a:t>
             </a:fld>
             <a:endParaRPr kumimoji="1" lang="zh-CN" altLang="en-US"/>
           </a:p>
@@ -2516,7 +2516,7 @@
           <a:p>
             <a:fld id="{D7B12BEA-236C-5749-AF49-060B228B08C5}" type="datetimeFigureOut">
               <a:rPr kumimoji="1" lang="zh-CN" altLang="en-US" smtClean="0"/>
-              <a:t>17/3/12</a:t>
+              <a:t>18/8/11</a:t>
             </a:fld>
             <a:endParaRPr kumimoji="1" lang="zh-CN" altLang="en-US"/>
           </a:p>
@@ -2793,7 +2793,7 @@
           <a:p>
             <a:fld id="{D7B12BEA-236C-5749-AF49-060B228B08C5}" type="datetimeFigureOut">
               <a:rPr kumimoji="1" lang="zh-CN" altLang="en-US" smtClean="0"/>
-              <a:t>17/3/12</a:t>
+              <a:t>18/8/11</a:t>
             </a:fld>
             <a:endParaRPr kumimoji="1" lang="zh-CN" altLang="en-US"/>
           </a:p>
@@ -3046,7 +3046,7 @@
           <a:p>
             <a:fld id="{D7B12BEA-236C-5749-AF49-060B228B08C5}" type="datetimeFigureOut">
               <a:rPr kumimoji="1" lang="zh-CN" altLang="en-US" smtClean="0"/>
-              <a:t>17/3/12</a:t>
+              <a:t>18/8/11</a:t>
             </a:fld>
             <a:endParaRPr kumimoji="1" lang="zh-CN" altLang="en-US"/>
           </a:p>
@@ -3259,7 +3259,7 @@
           <a:p>
             <a:fld id="{D7B12BEA-236C-5749-AF49-060B228B08C5}" type="datetimeFigureOut">
               <a:rPr kumimoji="1" lang="zh-CN" altLang="en-US" smtClean="0"/>
-              <a:t>17/3/12</a:t>
+              <a:t>18/8/11</a:t>
             </a:fld>
             <a:endParaRPr kumimoji="1" lang="zh-CN" altLang="en-US"/>
           </a:p>
@@ -4866,7 +4866,6 @@
               <a:rPr kumimoji="1" lang="en-US" altLang="zh-CN" dirty="0" smtClean="0"/>
               <a:t>)</a:t>
             </a:r>
-            <a:endParaRPr kumimoji="1" lang="en-US" altLang="zh-CN" dirty="0" smtClean="0"/>
           </a:p>
           <a:p>
             <a:r>
@@ -4935,11 +4934,7 @@
           <a:p>
             <a:r>
               <a:rPr kumimoji="1" lang="en-US" altLang="zh-CN" dirty="0" smtClean="0"/>
-              <a:t>replace</a:t>
-            </a:r>
-            <a:r>
-              <a:rPr kumimoji="1" lang="en-US" altLang="zh-CN" dirty="0" smtClean="0"/>
-              <a:t>(</a:t>
+              <a:t>replace(</a:t>
             </a:r>
             <a:r>
               <a:rPr kumimoji="1" lang="en-US" altLang="zh-CN" dirty="0"/>
@@ -4984,11 +4979,7 @@
             </a:r>
             <a:r>
               <a:rPr kumimoji="1" lang="en-US" altLang="zh-CN" dirty="0" smtClean="0"/>
-              <a:t>rim(</a:t>
-            </a:r>
-            <a:r>
-              <a:rPr kumimoji="1" lang="en-US" altLang="zh-CN" dirty="0" smtClean="0"/>
-              <a:t>)</a:t>
+              <a:t>rim()</a:t>
             </a:r>
           </a:p>
           <a:p>
@@ -4996,7 +4987,6 @@
               <a:rPr kumimoji="1" lang="en-US" altLang="zh-CN" dirty="0" smtClean="0"/>
               <a:t>split()</a:t>
             </a:r>
-            <a:endParaRPr kumimoji="1" lang="en-US" altLang="zh-CN" dirty="0" smtClean="0"/>
           </a:p>
           <a:p>
             <a:r>
@@ -5145,11 +5135,7 @@
             </a:r>
             <a:r>
               <a:rPr kumimoji="1" lang="en-US" altLang="zh-CN" dirty="0" smtClean="0"/>
-              <a:t>)</a:t>
-            </a:r>
-            <a:r>
-              <a:rPr kumimoji="1" lang="en-US" altLang="zh-CN" dirty="0" smtClean="0"/>
-              <a:t>/</a:t>
+              <a:t>)/</a:t>
             </a:r>
             <a:r>
               <a:rPr kumimoji="1" lang="en-US" altLang="zh-CN" dirty="0" err="1" smtClean="0"/>
@@ -5157,11 +5143,7 @@
             </a:r>
             <a:r>
               <a:rPr kumimoji="1" lang="en-US" altLang="zh-CN" dirty="0" smtClean="0"/>
-              <a:t>()</a:t>
-            </a:r>
-            <a:r>
-              <a:rPr kumimoji="1" lang="en-US" altLang="zh-CN" dirty="0" smtClean="0"/>
-              <a:t>/</a:t>
+              <a:t>()/</a:t>
             </a:r>
             <a:r>
               <a:rPr kumimoji="1" lang="en-US" altLang="zh-CN" dirty="0" err="1" smtClean="0"/>
@@ -5502,15 +5484,7 @@
             </a:r>
             <a:r>
               <a:rPr kumimoji="1" lang="en-US" altLang="zh-CN" sz="2100" dirty="0" smtClean="0"/>
-              <a:t>Person</a:t>
-            </a:r>
-            <a:r>
-              <a:rPr kumimoji="1" lang="en-US" altLang="zh-CN" sz="2100" dirty="0" smtClean="0"/>
-              <a:t>(</a:t>
-            </a:r>
-            <a:r>
-              <a:rPr kumimoji="1" lang="en-US" altLang="zh-CN" sz="2100" dirty="0" smtClean="0"/>
-              <a:t>)</a:t>
+              <a:t>Person()</a:t>
             </a:r>
             <a:r>
               <a:rPr kumimoji="1" lang="zh-CN" altLang="en-US" sz="2100" dirty="0" smtClean="0"/>
@@ -5662,7 +5636,6 @@
               <a:rPr kumimoji="1" lang="en-US" altLang="zh-CN" sz="2100" dirty="0"/>
               <a:t>age;</a:t>
             </a:r>
-            <a:endParaRPr kumimoji="1" lang="en-US" altLang="zh-CN" sz="2100" dirty="0"/>
           </a:p>
           <a:p>
             <a:pPr marL="514350" lvl="1" indent="0">
@@ -6211,16 +6184,11 @@
               <a:rPr kumimoji="1" lang="en-US" altLang="zh-CN" sz="2000" dirty="0" smtClean="0"/>
               <a:t>12);</a:t>
             </a:r>
-            <a:endParaRPr kumimoji="1" lang="en-US" altLang="zh-CN" sz="2000" dirty="0" smtClean="0"/>
           </a:p>
           <a:p>
             <a:r>
               <a:rPr kumimoji="1" lang="zh-CN" altLang="en-US" sz="2000" dirty="0" smtClean="0"/>
-              <a:t>仅</a:t>
-            </a:r>
-            <a:r>
-              <a:rPr kumimoji="1" lang="zh-CN" altLang="en-US" sz="2000" dirty="0" smtClean="0"/>
-              <a:t>支持</a:t>
+              <a:t>仅支持</a:t>
             </a:r>
             <a:r>
               <a:rPr kumimoji="1" lang="en-US" altLang="zh-CN" sz="2000" dirty="0" smtClean="0"/>
@@ -6230,15 +6198,7 @@
           <a:p>
             <a:r>
               <a:rPr kumimoji="1" lang="zh-CN" altLang="en-US" sz="2000" dirty="0" smtClean="0"/>
-              <a:t>仅通过原型</a:t>
-            </a:r>
-            <a:r>
-              <a:rPr kumimoji="1" lang="zh-CN" altLang="en-US" sz="2000" dirty="0" smtClean="0"/>
-              <a:t>实现</a:t>
-            </a:r>
-            <a:r>
-              <a:rPr kumimoji="1" lang="zh-CN" altLang="en-US" sz="2000" dirty="0" smtClean="0"/>
-              <a:t>继承机制</a:t>
+              <a:t>仅通过原型实现继承机制</a:t>
             </a:r>
             <a:endParaRPr kumimoji="1" lang="en-US" altLang="zh-CN" sz="2000" dirty="0" smtClean="0"/>
           </a:p>
@@ -6256,11 +6216,7 @@
           <a:p>
             <a:r>
               <a:rPr kumimoji="1" lang="en-US" altLang="zh-CN" sz="2000" dirty="0" err="1" smtClean="0"/>
-              <a:t>Person</a:t>
-            </a:r>
-            <a:r>
-              <a:rPr kumimoji="1" lang="en-US" altLang="zh-CN" sz="2000" dirty="0" err="1" smtClean="0"/>
-              <a:t>.prototype.walk</a:t>
+              <a:t>Person.prototype.walk</a:t>
             </a:r>
             <a:r>
               <a:rPr kumimoji="1" lang="zh-CN" altLang="en-US" sz="2000" dirty="0" smtClean="0"/>
@@ -6409,6 +6365,30 @@
               <a:rPr kumimoji="1" lang="en-US" altLang="zh-CN" dirty="0" smtClean="0"/>
               <a:t>XML</a:t>
             </a:r>
+          </a:p>
+          <a:p>
+            <a:endParaRPr kumimoji="1" lang="en-US" altLang="zh-CN" dirty="0"/>
+          </a:p>
+          <a:p>
+            <a:r>
+              <a:rPr kumimoji="1" lang="en-US" altLang="zh-CN" dirty="0" smtClean="0"/>
+              <a:t>HTML Grid</a:t>
+            </a:r>
+          </a:p>
+          <a:p>
+            <a:r>
+              <a:rPr kumimoji="1" lang="zh-CN" altLang="en-US" dirty="0" smtClean="0"/>
+              <a:t>图表</a:t>
+            </a:r>
+            <a:endParaRPr kumimoji="1" lang="en-US" altLang="zh-CN" dirty="0" smtClean="0"/>
+          </a:p>
+          <a:p>
+            <a:r>
+              <a:rPr kumimoji="1" lang="en-US" altLang="zh-CN" dirty="0" smtClean="0"/>
+              <a:t>……</a:t>
+            </a:r>
+          </a:p>
+          <a:p>
             <a:endParaRPr kumimoji="1" lang="zh-CN" altLang="en-US" dirty="0"/>
           </a:p>
         </p:txBody>
@@ -6437,21 +6417,47 @@
               <a:rPr kumimoji="1" lang="zh-CN" altLang="en-US" dirty="0" smtClean="0"/>
               <a:t>数组</a:t>
             </a:r>
+            <a:r>
+              <a:rPr kumimoji="1" lang="en-US" altLang="zh-CN" dirty="0" smtClean="0"/>
+              <a:t> List</a:t>
+            </a:r>
+            <a:r>
+              <a:rPr kumimoji="1" lang="zh-CN" altLang="en-US" dirty="0" smtClean="0"/>
+              <a:t>、</a:t>
+            </a:r>
+            <a:r>
+              <a:rPr kumimoji="1" lang="en-US" altLang="zh-CN" dirty="0" smtClean="0"/>
+              <a:t> Array</a:t>
+            </a:r>
+          </a:p>
+          <a:p>
+            <a:r>
+              <a:rPr kumimoji="1" lang="zh-CN" altLang="en-US" dirty="0" smtClean="0"/>
+              <a:t>对象</a:t>
+            </a:r>
+            <a:r>
+              <a:rPr kumimoji="1" lang="en-US" altLang="zh-CN" dirty="0" smtClean="0"/>
+              <a:t> Map</a:t>
+            </a:r>
+            <a:r>
+              <a:rPr kumimoji="1" lang="zh-CN" altLang="en-US" dirty="0" smtClean="0"/>
+              <a:t>、</a:t>
+            </a:r>
+            <a:r>
+              <a:rPr kumimoji="1" lang="en-US" altLang="zh-CN" dirty="0" smtClean="0"/>
+              <a:t> {}</a:t>
+            </a:r>
+            <a:r>
+              <a:rPr kumimoji="1" lang="zh-CN" altLang="en-US" dirty="0" smtClean="0"/>
+              <a:t>、实体</a:t>
+            </a:r>
+          </a:p>
+          <a:p>
+            <a:r>
+              <a:rPr kumimoji="1" lang="zh-CN" altLang="en-US" dirty="0" smtClean="0"/>
+              <a:t>数据库表</a:t>
+            </a:r>
             <a:endParaRPr kumimoji="1" lang="en-US" altLang="zh-CN" dirty="0" smtClean="0"/>
-          </a:p>
-          <a:p>
-            <a:r>
-              <a:rPr kumimoji="1" lang="zh-CN" altLang="en-US" dirty="0" smtClean="0"/>
-              <a:t>对象</a:t>
-            </a:r>
-            <a:endParaRPr kumimoji="1" lang="en-US" altLang="zh-CN" dirty="0" smtClean="0"/>
-          </a:p>
-          <a:p>
-            <a:r>
-              <a:rPr kumimoji="1" lang="en-US" altLang="zh-CN" dirty="0" smtClean="0"/>
-              <a:t>Dom</a:t>
-            </a:r>
-            <a:endParaRPr kumimoji="1" lang="zh-CN" altLang="en-US" dirty="0"/>
           </a:p>
         </p:txBody>
       </p:sp>
